--- a/docs/diagrams/LessonClassDiagram.pptx
+++ b/docs/diagrams/LessonClassDiagram.pptx
@@ -261,7 +261,7 @@
           <a:p>
             <a:fld id="{CCAB57E4-61C5-4D5E-83D7-9FAA23A9D6DE}" type="datetimeFigureOut">
               <a:rPr lang="en-SG" smtClean="0"/>
-              <a:t>6/4/2018</a:t>
+              <a:t>14/4/2018</a:t>
             </a:fld>
             <a:endParaRPr lang="en-SG"/>
           </a:p>
@@ -461,7 +461,7 @@
           <a:p>
             <a:fld id="{CCAB57E4-61C5-4D5E-83D7-9FAA23A9D6DE}" type="datetimeFigureOut">
               <a:rPr lang="en-SG" smtClean="0"/>
-              <a:t>6/4/2018</a:t>
+              <a:t>14/4/2018</a:t>
             </a:fld>
             <a:endParaRPr lang="en-SG"/>
           </a:p>
@@ -671,7 +671,7 @@
           <a:p>
             <a:fld id="{CCAB57E4-61C5-4D5E-83D7-9FAA23A9D6DE}" type="datetimeFigureOut">
               <a:rPr lang="en-SG" smtClean="0"/>
-              <a:t>6/4/2018</a:t>
+              <a:t>14/4/2018</a:t>
             </a:fld>
             <a:endParaRPr lang="en-SG"/>
           </a:p>
@@ -871,7 +871,7 @@
           <a:p>
             <a:fld id="{CCAB57E4-61C5-4D5E-83D7-9FAA23A9D6DE}" type="datetimeFigureOut">
               <a:rPr lang="en-SG" smtClean="0"/>
-              <a:t>6/4/2018</a:t>
+              <a:t>14/4/2018</a:t>
             </a:fld>
             <a:endParaRPr lang="en-SG"/>
           </a:p>
@@ -1147,7 +1147,7 @@
           <a:p>
             <a:fld id="{CCAB57E4-61C5-4D5E-83D7-9FAA23A9D6DE}" type="datetimeFigureOut">
               <a:rPr lang="en-SG" smtClean="0"/>
-              <a:t>6/4/2018</a:t>
+              <a:t>14/4/2018</a:t>
             </a:fld>
             <a:endParaRPr lang="en-SG"/>
           </a:p>
@@ -1415,7 +1415,7 @@
           <a:p>
             <a:fld id="{CCAB57E4-61C5-4D5E-83D7-9FAA23A9D6DE}" type="datetimeFigureOut">
               <a:rPr lang="en-SG" smtClean="0"/>
-              <a:t>6/4/2018</a:t>
+              <a:t>14/4/2018</a:t>
             </a:fld>
             <a:endParaRPr lang="en-SG"/>
           </a:p>
@@ -1830,7 +1830,7 @@
           <a:p>
             <a:fld id="{CCAB57E4-61C5-4D5E-83D7-9FAA23A9D6DE}" type="datetimeFigureOut">
               <a:rPr lang="en-SG" smtClean="0"/>
-              <a:t>6/4/2018</a:t>
+              <a:t>14/4/2018</a:t>
             </a:fld>
             <a:endParaRPr lang="en-SG"/>
           </a:p>
@@ -1972,7 +1972,7 @@
           <a:p>
             <a:fld id="{CCAB57E4-61C5-4D5E-83D7-9FAA23A9D6DE}" type="datetimeFigureOut">
               <a:rPr lang="en-SG" smtClean="0"/>
-              <a:t>6/4/2018</a:t>
+              <a:t>14/4/2018</a:t>
             </a:fld>
             <a:endParaRPr lang="en-SG"/>
           </a:p>
@@ -2085,7 +2085,7 @@
           <a:p>
             <a:fld id="{CCAB57E4-61C5-4D5E-83D7-9FAA23A9D6DE}" type="datetimeFigureOut">
               <a:rPr lang="en-SG" smtClean="0"/>
-              <a:t>6/4/2018</a:t>
+              <a:t>14/4/2018</a:t>
             </a:fld>
             <a:endParaRPr lang="en-SG"/>
           </a:p>
@@ -2398,7 +2398,7 @@
           <a:p>
             <a:fld id="{CCAB57E4-61C5-4D5E-83D7-9FAA23A9D6DE}" type="datetimeFigureOut">
               <a:rPr lang="en-SG" smtClean="0"/>
-              <a:t>6/4/2018</a:t>
+              <a:t>14/4/2018</a:t>
             </a:fld>
             <a:endParaRPr lang="en-SG"/>
           </a:p>
@@ -2687,7 +2687,7 @@
           <a:p>
             <a:fld id="{CCAB57E4-61C5-4D5E-83D7-9FAA23A9D6DE}" type="datetimeFigureOut">
               <a:rPr lang="en-SG" smtClean="0"/>
-              <a:t>6/4/2018</a:t>
+              <a:t>14/4/2018</a:t>
             </a:fld>
             <a:endParaRPr lang="en-SG"/>
           </a:p>
@@ -2930,7 +2930,7 @@
           <a:p>
             <a:fld id="{CCAB57E4-61C5-4D5E-83D7-9FAA23A9D6DE}" type="datetimeFigureOut">
               <a:rPr lang="en-SG" smtClean="0"/>
-              <a:t>6/4/2018</a:t>
+              <a:t>14/4/2018</a:t>
             </a:fld>
             <a:endParaRPr lang="en-SG"/>
           </a:p>
@@ -3361,8 +3361,8 @@
         </p:nvSpPr>
         <p:spPr>
           <a:xfrm>
-            <a:off x="723255" y="1921791"/>
-            <a:ext cx="3609985" cy="1649449"/>
+            <a:off x="471795" y="1199374"/>
+            <a:ext cx="4290705" cy="2680689"/>
           </a:xfrm>
           <a:prstGeom prst="roundRect">
             <a:avLst>
@@ -3450,7 +3450,7 @@
         </p:nvSpPr>
         <p:spPr>
           <a:xfrm>
-            <a:off x="1131506" y="2539719"/>
+            <a:off x="1131506" y="2768322"/>
             <a:ext cx="708186" cy="346760"/>
           </a:xfrm>
           <a:prstGeom prst="rect">
@@ -3556,7 +3556,7 @@
         </p:nvSpPr>
         <p:spPr>
           <a:xfrm>
-            <a:off x="2530226" y="2254430"/>
+            <a:off x="1577995" y="2321050"/>
             <a:ext cx="1470060" cy="285783"/>
           </a:xfrm>
           <a:prstGeom prst="rect">
@@ -3662,7 +3662,7 @@
         </p:nvSpPr>
         <p:spPr>
           <a:xfrm>
-            <a:off x="1859776" y="2629854"/>
+            <a:off x="1859776" y="2858459"/>
             <a:ext cx="236048" cy="173380"/>
           </a:xfrm>
           <a:prstGeom prst="flowChartDecision">
@@ -3728,20 +3728,17 @@
           </p:cNvPr>
           <p:cNvCxnSpPr>
             <a:cxnSpLocks/>
-            <a:stCxn id="138" idx="3"/>
-            <a:endCxn id="137" idx="1"/>
+            <a:endCxn id="137" idx="2"/>
           </p:cNvCxnSpPr>
           <p:nvPr/>
         </p:nvCxnSpPr>
         <p:spPr>
           <a:xfrm flipV="1">
-            <a:off x="2095824" y="2397322"/>
-            <a:ext cx="434402" cy="319222"/>
+            <a:off x="2095824" y="2606833"/>
+            <a:ext cx="217201" cy="338314"/>
           </a:xfrm>
-          <a:prstGeom prst="bentConnector3">
-            <a:avLst>
-              <a:gd name="adj1" fmla="val 50000"/>
-            </a:avLst>
+          <a:prstGeom prst="bentConnector2">
+            <a:avLst/>
           </a:prstGeom>
           <a:gradFill rotWithShape="1">
             <a:gsLst>
@@ -3791,7 +3788,7 @@
         </p:nvSpPr>
         <p:spPr>
           <a:xfrm>
-            <a:off x="2530226" y="2572263"/>
+            <a:off x="2530226" y="2800866"/>
             <a:ext cx="1470060" cy="285783"/>
           </a:xfrm>
           <a:prstGeom prst="rect">
@@ -3894,14 +3891,13 @@
           </p:cNvPr>
           <p:cNvCxnSpPr>
             <a:cxnSpLocks/>
-            <a:stCxn id="138" idx="3"/>
             <a:endCxn id="140" idx="1"/>
           </p:cNvCxnSpPr>
           <p:nvPr/>
         </p:nvCxnSpPr>
         <p:spPr>
           <a:xfrm flipV="1">
-            <a:off x="2095824" y="2715155"/>
+            <a:off x="2095824" y="2943758"/>
             <a:ext cx="434402" cy="1389"/>
           </a:xfrm>
           <a:prstGeom prst="bentConnector3">
@@ -3957,7 +3953,7 @@
         </p:nvSpPr>
         <p:spPr>
           <a:xfrm>
-            <a:off x="2530226" y="2895241"/>
+            <a:off x="2530226" y="3123844"/>
             <a:ext cx="1470060" cy="285783"/>
           </a:xfrm>
           <a:prstGeom prst="rect">
@@ -4060,14 +4056,13 @@
           </p:cNvPr>
           <p:cNvCxnSpPr>
             <a:cxnSpLocks/>
-            <a:stCxn id="138" idx="3"/>
             <a:endCxn id="142" idx="1"/>
           </p:cNvCxnSpPr>
           <p:nvPr/>
         </p:nvCxnSpPr>
         <p:spPr>
           <a:xfrm>
-            <a:off x="2095824" y="2716544"/>
+            <a:off x="2095824" y="2945147"/>
             <a:ext cx="434402" cy="321589"/>
           </a:xfrm>
           <a:prstGeom prst="bentConnector3">
@@ -4107,6 +4102,414 @@
           <a:effectLst/>
         </p:spPr>
       </p:cxnSp>
+      <p:sp>
+        <p:nvSpPr>
+          <p:cNvPr id="11" name="Rectangle 8">
+            <a:extLst>
+              <a:ext uri="{FF2B5EF4-FFF2-40B4-BE49-F238E27FC236}">
+                <a16:creationId xmlns:a16="http://schemas.microsoft.com/office/drawing/2014/main" id="{2A6DF272-3E07-486A-8E03-BA7567BDAD16}"/>
+              </a:ext>
+            </a:extLst>
+          </p:cNvPr>
+          <p:cNvSpPr/>
+          <p:nvPr/>
+        </p:nvSpPr>
+        <p:spPr>
+          <a:xfrm>
+            <a:off x="1966111" y="1313292"/>
+            <a:ext cx="708186" cy="346760"/>
+          </a:xfrm>
+          <a:prstGeom prst="rect">
+            <a:avLst/>
+          </a:prstGeom>
+          <a:gradFill rotWithShape="1">
+            <a:gsLst>
+              <a:gs pos="0">
+                <a:srgbClr val="8064A2">
+                  <a:tint val="50000"/>
+                  <a:satMod val="300000"/>
+                </a:srgbClr>
+              </a:gs>
+              <a:gs pos="35000">
+                <a:srgbClr val="8064A2">
+                  <a:tint val="37000"/>
+                  <a:satMod val="300000"/>
+                </a:srgbClr>
+              </a:gs>
+              <a:gs pos="100000">
+                <a:srgbClr val="8064A2">
+                  <a:tint val="15000"/>
+                  <a:satMod val="350000"/>
+                </a:srgbClr>
+              </a:gs>
+            </a:gsLst>
+            <a:lin ang="16200000" scaled="1"/>
+          </a:gradFill>
+          <a:ln w="19050" cap="flat" cmpd="sng" algn="ctr">
+            <a:solidFill>
+              <a:srgbClr val="7030A0"/>
+            </a:solidFill>
+            <a:prstDash val="solid"/>
+          </a:ln>
+          <a:effectLst/>
+        </p:spPr>
+        <p:txBody>
+          <a:bodyPr rtlCol="0" anchor="ctr"/>
+          <a:lstStyle/>
+          <a:p>
+            <a:pPr marL="0" marR="0" lvl="0" indent="0" algn="ctr" defTabSz="914400" eaLnBrk="1" fontAlgn="auto" latinLnBrk="0" hangingPunct="1">
+              <a:lnSpc>
+                <a:spcPct val="100000"/>
+              </a:lnSpc>
+              <a:spcBef>
+                <a:spcPts val="0"/>
+              </a:spcBef>
+              <a:spcAft>
+                <a:spcPts val="0"/>
+              </a:spcAft>
+              <a:buClrTx/>
+              <a:buSzTx/>
+              <a:buFontTx/>
+              <a:buNone/>
+              <a:tabLst/>
+              <a:defRPr/>
+            </a:pPr>
+            <a:r>
+              <a:rPr kumimoji="0" lang="en-US" sz="1050" b="0" i="0" u="none" strike="noStrike" kern="0" cap="none" spc="0" normalizeH="0" baseline="0" noProof="0" dirty="0" err="1" smtClean="0">
+                <a:ln>
+                  <a:noFill/>
+                </a:ln>
+                <a:solidFill>
+                  <a:srgbClr val="7030A0"/>
+                </a:solidFill>
+                <a:effectLst/>
+                <a:uLnTx/>
+                <a:uFillTx/>
+                <a:latin typeface="Calibri"/>
+                <a:ea typeface="+mn-ea"/>
+                <a:cs typeface="+mn-cs"/>
+              </a:rPr>
+              <a:t>Stude</a:t>
+            </a:r>
+            <a:r>
+              <a:rPr lang="en-US" sz="1050" kern="0" dirty="0" err="1" smtClean="0">
+                <a:solidFill>
+                  <a:srgbClr val="7030A0"/>
+                </a:solidFill>
+                <a:latin typeface="Calibri"/>
+              </a:rPr>
+              <a:t>nt</a:t>
+            </a:r>
+            <a:endParaRPr kumimoji="0" lang="en-SG" sz="1050" b="0" i="0" u="none" strike="noStrike" kern="0" cap="none" spc="0" normalizeH="0" baseline="0" noProof="0" dirty="0">
+              <a:ln>
+                <a:noFill/>
+              </a:ln>
+              <a:solidFill>
+                <a:srgbClr val="7030A0"/>
+              </a:solidFill>
+              <a:effectLst/>
+              <a:uLnTx/>
+              <a:uFillTx/>
+              <a:latin typeface="Calibri"/>
+              <a:ea typeface="+mn-ea"/>
+              <a:cs typeface="+mn-cs"/>
+            </a:endParaRPr>
+          </a:p>
+        </p:txBody>
+      </p:sp>
+      <p:sp>
+        <p:nvSpPr>
+          <p:cNvPr id="13" name="Flowchart: Decision 96">
+            <a:extLst>
+              <a:ext uri="{FF2B5EF4-FFF2-40B4-BE49-F238E27FC236}">
+                <a16:creationId xmlns:a16="http://schemas.microsoft.com/office/drawing/2014/main" id="{7CFB1EC9-CEEB-4E5B-AD06-E66AF315FF76}"/>
+              </a:ext>
+            </a:extLst>
+          </p:cNvPr>
+          <p:cNvSpPr/>
+          <p:nvPr/>
+        </p:nvSpPr>
+        <p:spPr>
+          <a:xfrm>
+            <a:off x="2195830" y="1684085"/>
+            <a:ext cx="236048" cy="173380"/>
+          </a:xfrm>
+          <a:prstGeom prst="flowChartDecision">
+            <a:avLst/>
+          </a:prstGeom>
+          <a:solidFill>
+            <a:srgbClr val="7030A0"/>
+          </a:solidFill>
+          <a:ln w="19050" cap="flat" cmpd="sng" algn="ctr">
+            <a:solidFill>
+              <a:srgbClr val="7030A0"/>
+            </a:solidFill>
+            <a:prstDash val="solid"/>
+          </a:ln>
+          <a:effectLst/>
+        </p:spPr>
+        <p:txBody>
+          <a:bodyPr rtlCol="0" anchor="ctr"/>
+          <a:lstStyle/>
+          <a:p>
+            <a:pPr marL="0" marR="0" lvl="0" indent="0" algn="ctr" defTabSz="914400" eaLnBrk="1" fontAlgn="auto" latinLnBrk="0" hangingPunct="1">
+              <a:lnSpc>
+                <a:spcPct val="100000"/>
+              </a:lnSpc>
+              <a:spcBef>
+                <a:spcPts val="0"/>
+              </a:spcBef>
+              <a:spcAft>
+                <a:spcPts val="0"/>
+              </a:spcAft>
+              <a:buClrTx/>
+              <a:buSzTx/>
+              <a:buFontTx/>
+              <a:buNone/>
+              <a:tabLst/>
+              <a:defRPr/>
+            </a:pPr>
+            <a:endParaRPr kumimoji="0" lang="en-US" sz="1050" b="0" i="0" u="none" strike="noStrike" kern="0" cap="none" spc="0" normalizeH="0" baseline="0" noProof="0">
+              <a:ln>
+                <a:noFill/>
+              </a:ln>
+              <a:solidFill>
+                <a:prstClr val="black"/>
+              </a:solidFill>
+              <a:effectLst/>
+              <a:uLnTx/>
+              <a:uFillTx/>
+              <a:latin typeface="Calibri"/>
+              <a:ea typeface="+mn-ea"/>
+              <a:cs typeface="+mn-cs"/>
+            </a:endParaRPr>
+          </a:p>
+        </p:txBody>
+      </p:sp>
+      <p:cxnSp>
+        <p:nvCxnSpPr>
+          <p:cNvPr id="14" name="Elbow Connector 78">
+            <a:extLst>
+              <a:ext uri="{FF2B5EF4-FFF2-40B4-BE49-F238E27FC236}">
+                <a16:creationId xmlns:a16="http://schemas.microsoft.com/office/drawing/2014/main" id="{95104E53-4338-4900-BF1A-8F76D5CD21DE}"/>
+              </a:ext>
+            </a:extLst>
+          </p:cNvPr>
+          <p:cNvCxnSpPr>
+            <a:cxnSpLocks/>
+            <a:stCxn id="13" idx="2"/>
+            <a:endCxn id="137" idx="0"/>
+          </p:cNvCxnSpPr>
+          <p:nvPr/>
+        </p:nvCxnSpPr>
+        <p:spPr>
+          <a:xfrm rot="5400000">
+            <a:off x="2081648" y="2088843"/>
+            <a:ext cx="463585" cy="829"/>
+          </a:xfrm>
+          <a:prstGeom prst="bentConnector3">
+            <a:avLst>
+              <a:gd name="adj1" fmla="val 50000"/>
+            </a:avLst>
+          </a:prstGeom>
+          <a:gradFill rotWithShape="1">
+            <a:gsLst>
+              <a:gs pos="0">
+                <a:srgbClr val="C0504D">
+                  <a:tint val="50000"/>
+                  <a:satMod val="300000"/>
+                </a:srgbClr>
+              </a:gs>
+              <a:gs pos="35000">
+                <a:srgbClr val="C0504D">
+                  <a:tint val="37000"/>
+                  <a:satMod val="300000"/>
+                </a:srgbClr>
+              </a:gs>
+              <a:gs pos="100000">
+                <a:srgbClr val="C0504D">
+                  <a:tint val="15000"/>
+                  <a:satMod val="350000"/>
+                </a:srgbClr>
+              </a:gs>
+            </a:gsLst>
+            <a:lin ang="16200000" scaled="1"/>
+          </a:gradFill>
+          <a:ln w="19050" cap="flat" cmpd="sng" algn="ctr">
+            <a:solidFill>
+              <a:srgbClr val="7030A0"/>
+            </a:solidFill>
+            <a:prstDash val="solid"/>
+            <a:headEnd type="none" w="med" len="med"/>
+            <a:tailEnd type="arrow" w="med" len="med"/>
+          </a:ln>
+          <a:effectLst/>
+        </p:spPr>
+      </p:cxnSp>
+      <p:cxnSp>
+        <p:nvCxnSpPr>
+          <p:cNvPr id="24" name="Elbow Connector 78">
+            <a:extLst>
+              <a:ext uri="{FF2B5EF4-FFF2-40B4-BE49-F238E27FC236}">
+                <a16:creationId xmlns:a16="http://schemas.microsoft.com/office/drawing/2014/main" id="{95104E53-4338-4900-BF1A-8F76D5CD21DE}"/>
+              </a:ext>
+            </a:extLst>
+          </p:cNvPr>
+          <p:cNvCxnSpPr>
+            <a:cxnSpLocks/>
+            <a:stCxn id="13" idx="3"/>
+            <a:endCxn id="27" idx="2"/>
+          </p:cNvCxnSpPr>
+          <p:nvPr/>
+        </p:nvCxnSpPr>
+        <p:spPr>
+          <a:xfrm flipV="1">
+            <a:off x="2431878" y="1630477"/>
+            <a:ext cx="1419735" cy="140298"/>
+          </a:xfrm>
+          <a:prstGeom prst="bentConnector2">
+            <a:avLst/>
+          </a:prstGeom>
+          <a:gradFill rotWithShape="1">
+            <a:gsLst>
+              <a:gs pos="0">
+                <a:srgbClr val="C0504D">
+                  <a:tint val="50000"/>
+                  <a:satMod val="300000"/>
+                </a:srgbClr>
+              </a:gs>
+              <a:gs pos="35000">
+                <a:srgbClr val="C0504D">
+                  <a:tint val="37000"/>
+                  <a:satMod val="300000"/>
+                </a:srgbClr>
+              </a:gs>
+              <a:gs pos="100000">
+                <a:srgbClr val="C0504D">
+                  <a:tint val="15000"/>
+                  <a:satMod val="350000"/>
+                </a:srgbClr>
+              </a:gs>
+            </a:gsLst>
+            <a:lin ang="16200000" scaled="1"/>
+          </a:gradFill>
+          <a:ln w="19050" cap="flat" cmpd="sng" algn="ctr">
+            <a:solidFill>
+              <a:srgbClr val="7030A0"/>
+            </a:solidFill>
+            <a:prstDash val="solid"/>
+            <a:headEnd type="none" w="med" len="med"/>
+            <a:tailEnd type="arrow" w="med" len="med"/>
+          </a:ln>
+          <a:effectLst/>
+        </p:spPr>
+      </p:cxnSp>
+      <p:sp>
+        <p:nvSpPr>
+          <p:cNvPr id="27" name="Rectangle 8">
+            <a:extLst>
+              <a:ext uri="{FF2B5EF4-FFF2-40B4-BE49-F238E27FC236}">
+                <a16:creationId xmlns:a16="http://schemas.microsoft.com/office/drawing/2014/main" id="{2A6DF272-3E07-486A-8E03-BA7567BDAD16}"/>
+              </a:ext>
+            </a:extLst>
+          </p:cNvPr>
+          <p:cNvSpPr/>
+          <p:nvPr/>
+        </p:nvSpPr>
+        <p:spPr>
+          <a:xfrm>
+            <a:off x="3265256" y="1313292"/>
+            <a:ext cx="1172714" cy="317185"/>
+          </a:xfrm>
+          <a:prstGeom prst="rect">
+            <a:avLst/>
+          </a:prstGeom>
+          <a:gradFill rotWithShape="1">
+            <a:gsLst>
+              <a:gs pos="0">
+                <a:srgbClr val="8064A2">
+                  <a:tint val="50000"/>
+                  <a:satMod val="300000"/>
+                </a:srgbClr>
+              </a:gs>
+              <a:gs pos="35000">
+                <a:srgbClr val="8064A2">
+                  <a:tint val="37000"/>
+                  <a:satMod val="300000"/>
+                </a:srgbClr>
+              </a:gs>
+              <a:gs pos="100000">
+                <a:srgbClr val="8064A2">
+                  <a:tint val="15000"/>
+                  <a:satMod val="350000"/>
+                </a:srgbClr>
+              </a:gs>
+            </a:gsLst>
+            <a:lin ang="16200000" scaled="1"/>
+          </a:gradFill>
+          <a:ln w="19050" cap="flat" cmpd="sng" algn="ctr">
+            <a:solidFill>
+              <a:srgbClr val="7030A0"/>
+            </a:solidFill>
+            <a:prstDash val="solid"/>
+          </a:ln>
+          <a:effectLst/>
+        </p:spPr>
+        <p:txBody>
+          <a:bodyPr rtlCol="0" anchor="ctr"/>
+          <a:lstStyle/>
+          <a:p>
+            <a:pPr marL="0" marR="0" lvl="0" indent="0" algn="ctr" defTabSz="914400" eaLnBrk="1" fontAlgn="auto" latinLnBrk="0" hangingPunct="1">
+              <a:lnSpc>
+                <a:spcPct val="100000"/>
+              </a:lnSpc>
+              <a:spcBef>
+                <a:spcPts val="0"/>
+              </a:spcBef>
+              <a:spcAft>
+                <a:spcPts val="0"/>
+              </a:spcAft>
+              <a:buClrTx/>
+              <a:buSzTx/>
+              <a:buFontTx/>
+              <a:buNone/>
+              <a:tabLst/>
+              <a:defRPr/>
+            </a:pPr>
+            <a:r>
+              <a:rPr kumimoji="0" lang="en-US" sz="1050" b="0" i="0" u="none" strike="noStrike" kern="0" cap="none" spc="0" normalizeH="0" baseline="0" noProof="0" dirty="0" smtClean="0">
+                <a:ln>
+                  <a:noFill/>
+                </a:ln>
+                <a:solidFill>
+                  <a:srgbClr val="7030A0"/>
+                </a:solidFill>
+                <a:effectLst/>
+                <a:uLnTx/>
+                <a:uFillTx/>
+                <a:latin typeface="Calibri"/>
+                <a:ea typeface="+mn-ea"/>
+                <a:cs typeface="+mn-cs"/>
+              </a:rPr>
+              <a:t>Other attributes…</a:t>
+            </a:r>
+            <a:endParaRPr kumimoji="0" lang="en-SG" sz="1050" b="0" i="0" u="none" strike="noStrike" kern="0" cap="none" spc="0" normalizeH="0" baseline="0" noProof="0" dirty="0">
+              <a:ln>
+                <a:noFill/>
+              </a:ln>
+              <a:solidFill>
+                <a:srgbClr val="7030A0"/>
+              </a:solidFill>
+              <a:effectLst/>
+              <a:uLnTx/>
+              <a:uFillTx/>
+              <a:latin typeface="Calibri"/>
+              <a:ea typeface="+mn-ea"/>
+              <a:cs typeface="+mn-cs"/>
+            </a:endParaRPr>
+          </a:p>
+        </p:txBody>
+      </p:sp>
     </p:spTree>
     <p:extLst>
       <p:ext uri="{BB962C8B-B14F-4D97-AF65-F5344CB8AC3E}">
